--- a/NEW_DBMS교안/16. 고급 SQL 작성하기_조인.pptx
+++ b/NEW_DBMS교안/16. 고급 SQL 작성하기_조인.pptx
@@ -228,7 +228,7 @@
           <a:p>
             <a:fld id="{E150CED1-0BD3-437E-982C-E8005E10CB37}" type="datetimeFigureOut">
               <a:rPr lang="ko-KR" altLang="en-US" smtClean="0"/>
-              <a:t>2021-03-31</a:t>
+              <a:t>2021-04-06</a:t>
             </a:fld>
             <a:endParaRPr lang="ko-KR" altLang="en-US"/>
           </a:p>
@@ -9537,26 +9537,50 @@
               <a:buAutoNum type="arabicPeriod"/>
             </a:pPr>
             <a:r>
-              <a:rPr lang="ko-KR" altLang="en-US" dirty="0"/>
+              <a:rPr lang="ko-KR" altLang="en-US" dirty="0">
+                <a:solidFill>
+                  <a:srgbClr val="FF0000"/>
+                </a:solidFill>
+              </a:rPr>
               <a:t>좋은 조인 </a:t>
             </a:r>
             <a:r>
-              <a:rPr lang="ko-KR" altLang="en-US" dirty="0" smtClean="0"/>
+              <a:rPr lang="ko-KR" altLang="en-US" dirty="0" smtClean="0">
+                <a:solidFill>
+                  <a:srgbClr val="FF0000"/>
+                </a:solidFill>
+              </a:rPr>
               <a:t>순서 </a:t>
             </a:r>
             <a:r>
-              <a:rPr lang="en-US" altLang="ko-KR" dirty="0" smtClean="0"/>
+              <a:rPr lang="en-US" altLang="ko-KR" dirty="0" smtClean="0">
+                <a:solidFill>
+                  <a:srgbClr val="FF0000"/>
+                </a:solidFill>
+              </a:rPr>
               <a:t>(GOOD JOIN </a:t>
             </a:r>
             <a:r>
-              <a:rPr lang="en-US" altLang="ko-KR" dirty="0"/>
+              <a:rPr lang="en-US" altLang="ko-KR" dirty="0">
+                <a:solidFill>
+                  <a:srgbClr val="FF0000"/>
+                </a:solidFill>
+              </a:rPr>
               <a:t>ORDER</a:t>
             </a:r>
             <a:r>
-              <a:rPr lang="en-US" altLang="ko-KR" dirty="0" smtClean="0"/>
+              <a:rPr lang="en-US" altLang="ko-KR" dirty="0" smtClean="0">
+                <a:solidFill>
+                  <a:srgbClr val="FF0000"/>
+                </a:solidFill>
+              </a:rPr>
               <a:t>)</a:t>
             </a:r>
-            <a:endParaRPr lang="en-US" altLang="ko-KR" dirty="0"/>
+            <a:endParaRPr lang="en-US" altLang="ko-KR" dirty="0">
+              <a:solidFill>
+                <a:srgbClr val="FF0000"/>
+              </a:solidFill>
+            </a:endParaRPr>
           </a:p>
           <a:p>
             <a:pPr marL="580644" lvl="2" indent="-342900">
@@ -10482,7 +10506,7 @@
                     <a:p>
                       <a:pPr algn="ctr" latinLnBrk="1"/>
                       <a:r>
-                        <a:rPr lang="ko-KR" altLang="en-US" sz="1000"/>
+                        <a:rPr lang="ko-KR" altLang="en-US" sz="1000" dirty="0"/>
                         <a:t>이은영</a:t>
                       </a:r>
                     </a:p>
@@ -10592,7 +10616,7 @@
                     <a:p>
                       <a:pPr algn="ctr" latinLnBrk="1"/>
                       <a:r>
-                        <a:rPr lang="ko-KR" altLang="en-US" sz="1000"/>
+                        <a:rPr lang="ko-KR" altLang="en-US" sz="1000" dirty="0"/>
                         <a:t>한성일</a:t>
                       </a:r>
                     </a:p>
@@ -11372,6 +11396,174 @@
               <a:rPr lang="ko-KR" altLang="en-US" dirty="0"/>
               <a:t>조인</a:t>
             </a:r>
+          </a:p>
+        </p:txBody>
+      </p:sp>
+      <p:sp>
+        <p:nvSpPr>
+          <p:cNvPr id="4" name="직사각형 3"/>
+          <p:cNvSpPr/>
+          <p:nvPr/>
+        </p:nvSpPr>
+        <p:spPr>
+          <a:xfrm>
+            <a:off x="5623315" y="1619505"/>
+            <a:ext cx="964909" cy="1351606"/>
+          </a:xfrm>
+          <a:prstGeom prst="rect">
+            <a:avLst/>
+          </a:prstGeom>
+          <a:noFill/>
+          <a:ln w="38100">
+            <a:solidFill>
+              <a:srgbClr val="FF0000"/>
+            </a:solidFill>
+          </a:ln>
+        </p:spPr>
+        <p:style>
+          <a:lnRef idx="2">
+            <a:schemeClr val="accent1">
+              <a:shade val="50000"/>
+            </a:schemeClr>
+          </a:lnRef>
+          <a:fillRef idx="1">
+            <a:schemeClr val="accent1"/>
+          </a:fillRef>
+          <a:effectRef idx="0">
+            <a:schemeClr val="accent1"/>
+          </a:effectRef>
+          <a:fontRef idx="minor">
+            <a:schemeClr val="lt1"/>
+          </a:fontRef>
+        </p:style>
+        <p:txBody>
+          <a:bodyPr rtlCol="0" anchor="ctr"/>
+          <a:lstStyle/>
+          <a:p>
+            <a:pPr algn="ctr"/>
+            <a:endParaRPr lang="ko-KR" altLang="en-US"/>
+          </a:p>
+        </p:txBody>
+      </p:sp>
+      <p:sp>
+        <p:nvSpPr>
+          <p:cNvPr id="12" name="직사각형 11"/>
+          <p:cNvSpPr/>
+          <p:nvPr/>
+        </p:nvSpPr>
+        <p:spPr>
+          <a:xfrm>
+            <a:off x="1763689" y="1619505"/>
+            <a:ext cx="648072" cy="1351606"/>
+          </a:xfrm>
+          <a:prstGeom prst="rect">
+            <a:avLst/>
+          </a:prstGeom>
+          <a:noFill/>
+          <a:ln w="38100">
+            <a:solidFill>
+              <a:srgbClr val="FF0000"/>
+            </a:solidFill>
+          </a:ln>
+        </p:spPr>
+        <p:style>
+          <a:lnRef idx="2">
+            <a:schemeClr val="accent1">
+              <a:shade val="50000"/>
+            </a:schemeClr>
+          </a:lnRef>
+          <a:fillRef idx="1">
+            <a:schemeClr val="accent1"/>
+          </a:fillRef>
+          <a:effectRef idx="0">
+            <a:schemeClr val="accent1"/>
+          </a:effectRef>
+          <a:fontRef idx="minor">
+            <a:schemeClr val="lt1"/>
+          </a:fontRef>
+        </p:style>
+        <p:txBody>
+          <a:bodyPr rtlCol="0" anchor="ctr"/>
+          <a:lstStyle/>
+          <a:p>
+            <a:pPr algn="ctr"/>
+            <a:endParaRPr lang="ko-KR" altLang="en-US"/>
+          </a:p>
+        </p:txBody>
+      </p:sp>
+      <p:sp>
+        <p:nvSpPr>
+          <p:cNvPr id="10" name="TextBox 9"/>
+          <p:cNvSpPr txBox="1"/>
+          <p:nvPr/>
+        </p:nvSpPr>
+        <p:spPr>
+          <a:xfrm>
+            <a:off x="5854080" y="2905735"/>
+            <a:ext cx="504056" cy="369332"/>
+          </a:xfrm>
+          <a:prstGeom prst="rect">
+            <a:avLst/>
+          </a:prstGeom>
+          <a:noFill/>
+        </p:spPr>
+        <p:txBody>
+          <a:bodyPr wrap="square" rtlCol="0">
+            <a:spAutoFit/>
+          </a:bodyPr>
+          <a:lstStyle/>
+          <a:p>
+            <a:r>
+              <a:rPr lang="en-US" altLang="ko-KR" b="1" dirty="0" smtClean="0">
+                <a:solidFill>
+                  <a:srgbClr val="FF0000"/>
+                </a:solidFill>
+              </a:rPr>
+              <a:t>PK</a:t>
+            </a:r>
+            <a:endParaRPr lang="ko-KR" altLang="en-US" b="1" dirty="0">
+              <a:solidFill>
+                <a:srgbClr val="FF0000"/>
+              </a:solidFill>
+            </a:endParaRPr>
+          </a:p>
+        </p:txBody>
+      </p:sp>
+      <p:sp>
+        <p:nvSpPr>
+          <p:cNvPr id="15" name="TextBox 14"/>
+          <p:cNvSpPr txBox="1"/>
+          <p:nvPr/>
+        </p:nvSpPr>
+        <p:spPr>
+          <a:xfrm>
+            <a:off x="1864900" y="2905735"/>
+            <a:ext cx="504056" cy="369332"/>
+          </a:xfrm>
+          <a:prstGeom prst="rect">
+            <a:avLst/>
+          </a:prstGeom>
+          <a:noFill/>
+        </p:spPr>
+        <p:txBody>
+          <a:bodyPr wrap="square" rtlCol="0">
+            <a:spAutoFit/>
+          </a:bodyPr>
+          <a:lstStyle/>
+          <a:p>
+            <a:r>
+              <a:rPr lang="en-US" altLang="ko-KR" b="1" dirty="0" smtClean="0">
+                <a:solidFill>
+                  <a:srgbClr val="FF0000"/>
+                </a:solidFill>
+              </a:rPr>
+              <a:t>FK</a:t>
+            </a:r>
+            <a:endParaRPr lang="ko-KR" altLang="en-US" b="1" dirty="0">
+              <a:solidFill>
+                <a:srgbClr val="FF0000"/>
+              </a:solidFill>
+            </a:endParaRPr>
           </a:p>
         </p:txBody>
       </p:sp>
@@ -11538,8 +11730,20 @@
               <a:buAutoNum type="arabicPeriod"/>
             </a:pPr>
             <a:r>
-              <a:rPr lang="ko-KR" altLang="en-US" dirty="0"/>
+              <a:rPr lang="ko-KR" altLang="en-US" dirty="0" err="1" smtClean="0"/>
               <a:t>기본문법</a:t>
+            </a:r>
+            <a:r>
+              <a:rPr lang="ko-KR" altLang="en-US" dirty="0" smtClean="0"/>
+              <a:t> </a:t>
+            </a:r>
+            <a:r>
+              <a:rPr lang="en-US" altLang="ko-KR" dirty="0" smtClean="0"/>
+              <a:t>/ </a:t>
+            </a:r>
+            <a:r>
+              <a:rPr lang="ko-KR" altLang="en-US" dirty="0" smtClean="0"/>
+              <a:t>두가지 방법</a:t>
             </a:r>
             <a:endParaRPr lang="en-US" altLang="ko-KR" dirty="0"/>
           </a:p>
@@ -11863,6 +12067,190 @@
               <a:rPr lang="ko-KR" altLang="en-US" dirty="0"/>
               <a:t>조인</a:t>
             </a:r>
+          </a:p>
+        </p:txBody>
+      </p:sp>
+      <p:sp>
+        <p:nvSpPr>
+          <p:cNvPr id="9" name="직사각형 8"/>
+          <p:cNvSpPr/>
+          <p:nvPr/>
+        </p:nvSpPr>
+        <p:spPr>
+          <a:xfrm>
+            <a:off x="1279352" y="5180275"/>
+            <a:ext cx="659592" cy="336957"/>
+          </a:xfrm>
+          <a:prstGeom prst="rect">
+            <a:avLst/>
+          </a:prstGeom>
+          <a:noFill/>
+          <a:ln w="38100">
+            <a:solidFill>
+              <a:srgbClr val="FF0000"/>
+            </a:solidFill>
+          </a:ln>
+        </p:spPr>
+        <p:style>
+          <a:lnRef idx="2">
+            <a:schemeClr val="accent1">
+              <a:shade val="50000"/>
+            </a:schemeClr>
+          </a:lnRef>
+          <a:fillRef idx="1">
+            <a:schemeClr val="accent1"/>
+          </a:fillRef>
+          <a:effectRef idx="0">
+            <a:schemeClr val="accent1"/>
+          </a:effectRef>
+          <a:fontRef idx="minor">
+            <a:schemeClr val="lt1"/>
+          </a:fontRef>
+        </p:style>
+        <p:txBody>
+          <a:bodyPr rtlCol="0" anchor="ctr"/>
+          <a:lstStyle/>
+          <a:p>
+            <a:pPr algn="ctr"/>
+            <a:endParaRPr lang="ko-KR" altLang="en-US"/>
+          </a:p>
+        </p:txBody>
+      </p:sp>
+      <p:sp>
+        <p:nvSpPr>
+          <p:cNvPr id="13" name="직사각형 12"/>
+          <p:cNvSpPr/>
+          <p:nvPr/>
+        </p:nvSpPr>
+        <p:spPr>
+          <a:xfrm>
+            <a:off x="3059832" y="5180275"/>
+            <a:ext cx="659592" cy="336957"/>
+          </a:xfrm>
+          <a:prstGeom prst="rect">
+            <a:avLst/>
+          </a:prstGeom>
+          <a:noFill/>
+          <a:ln w="38100">
+            <a:solidFill>
+              <a:srgbClr val="FF0000"/>
+            </a:solidFill>
+          </a:ln>
+        </p:spPr>
+        <p:style>
+          <a:lnRef idx="2">
+            <a:schemeClr val="accent1">
+              <a:shade val="50000"/>
+            </a:schemeClr>
+          </a:lnRef>
+          <a:fillRef idx="1">
+            <a:schemeClr val="accent1"/>
+          </a:fillRef>
+          <a:effectRef idx="0">
+            <a:schemeClr val="accent1"/>
+          </a:effectRef>
+          <a:fontRef idx="minor">
+            <a:schemeClr val="lt1"/>
+          </a:fontRef>
+        </p:style>
+        <p:txBody>
+          <a:bodyPr rtlCol="0" anchor="ctr"/>
+          <a:lstStyle/>
+          <a:p>
+            <a:pPr algn="ctr"/>
+            <a:endParaRPr lang="ko-KR" altLang="en-US"/>
+          </a:p>
+        </p:txBody>
+      </p:sp>
+      <p:sp>
+        <p:nvSpPr>
+          <p:cNvPr id="16" name="직사각형 15"/>
+          <p:cNvSpPr/>
+          <p:nvPr/>
+        </p:nvSpPr>
+        <p:spPr>
+          <a:xfrm>
+            <a:off x="1259632" y="5589240"/>
+            <a:ext cx="659592" cy="336957"/>
+          </a:xfrm>
+          <a:prstGeom prst="rect">
+            <a:avLst/>
+          </a:prstGeom>
+          <a:noFill/>
+          <a:ln w="38100">
+            <a:solidFill>
+              <a:srgbClr val="FF0000"/>
+            </a:solidFill>
+          </a:ln>
+        </p:spPr>
+        <p:style>
+          <a:lnRef idx="2">
+            <a:schemeClr val="accent1">
+              <a:shade val="50000"/>
+            </a:schemeClr>
+          </a:lnRef>
+          <a:fillRef idx="1">
+            <a:schemeClr val="accent1"/>
+          </a:fillRef>
+          <a:effectRef idx="0">
+            <a:schemeClr val="accent1"/>
+          </a:effectRef>
+          <a:fontRef idx="minor">
+            <a:schemeClr val="lt1"/>
+          </a:fontRef>
+        </p:style>
+        <p:txBody>
+          <a:bodyPr rtlCol="0" anchor="ctr"/>
+          <a:lstStyle/>
+          <a:p>
+            <a:pPr algn="ctr"/>
+            <a:endParaRPr lang="ko-KR" altLang="en-US"/>
+          </a:p>
+        </p:txBody>
+      </p:sp>
+      <p:sp>
+        <p:nvSpPr>
+          <p:cNvPr id="17" name="직사각형 16"/>
+          <p:cNvSpPr/>
+          <p:nvPr/>
+        </p:nvSpPr>
+        <p:spPr>
+          <a:xfrm>
+            <a:off x="1326232" y="3620561"/>
+            <a:ext cx="2885727" cy="384503"/>
+          </a:xfrm>
+          <a:prstGeom prst="rect">
+            <a:avLst/>
+          </a:prstGeom>
+          <a:noFill/>
+          <a:ln w="38100">
+            <a:solidFill>
+              <a:srgbClr val="FF0000"/>
+            </a:solidFill>
+          </a:ln>
+        </p:spPr>
+        <p:style>
+          <a:lnRef idx="2">
+            <a:schemeClr val="accent1">
+              <a:shade val="50000"/>
+            </a:schemeClr>
+          </a:lnRef>
+          <a:fillRef idx="1">
+            <a:schemeClr val="accent1"/>
+          </a:fillRef>
+          <a:effectRef idx="0">
+            <a:schemeClr val="accent1"/>
+          </a:effectRef>
+          <a:fontRef idx="minor">
+            <a:schemeClr val="lt1"/>
+          </a:fontRef>
+        </p:style>
+        <p:txBody>
+          <a:bodyPr rtlCol="0" anchor="ctr"/>
+          <a:lstStyle/>
+          <a:p>
+            <a:pPr algn="ctr"/>
+            <a:endParaRPr lang="ko-KR" altLang="en-US"/>
           </a:p>
         </p:txBody>
       </p:sp>
@@ -12073,10 +12461,14 @@
             </a:r>
             <a:r>
               <a:rPr lang="ko-KR" altLang="en-US" dirty="0"/>
-              <a:t>시뮬레이션을 진행하기 위해 대용량의 테스트 데이터를 생성하기 위해서 일부러 사용할 수 있다</a:t>
-            </a:r>
-            <a:r>
-              <a:rPr lang="en-US" altLang="ko-KR" dirty="0"/>
+              <a:t>시뮬레이션을 진행하기 위해 </a:t>
+            </a:r>
+            <a:r>
+              <a:rPr lang="ko-KR" altLang="en-US" b="1" u="sng" dirty="0"/>
+              <a:t>대용량의 테스트 데이터를 생성하기 위해서 일부러 사용할 수 있다</a:t>
+            </a:r>
+            <a:r>
+              <a:rPr lang="en-US" altLang="ko-KR" b="1" u="sng" dirty="0"/>
               <a:t>.</a:t>
             </a:r>
           </a:p>
@@ -12113,30 +12505,34 @@
             </a:pPr>
             <a:r>
               <a:rPr lang="en-US" altLang="ko-KR" dirty="0" smtClean="0"/>
-              <a:t> WHERE </a:t>
-            </a:r>
-            <a:r>
-              <a:rPr lang="ko-KR" altLang="en-US" dirty="0"/>
+              <a:t> </a:t>
+            </a:r>
+            <a:r>
+              <a:rPr lang="en-US" altLang="ko-KR" b="1" u="sng" dirty="0" smtClean="0"/>
+              <a:t>WHERE </a:t>
+            </a:r>
+            <a:r>
+              <a:rPr lang="ko-KR" altLang="en-US" b="1" u="sng" dirty="0"/>
               <a:t>절의 </a:t>
             </a:r>
             <a:r>
-              <a:rPr lang="ko-KR" altLang="en-US" dirty="0" err="1"/>
+              <a:rPr lang="ko-KR" altLang="en-US" b="1" u="sng" dirty="0" err="1"/>
               <a:t>조인조건식을</a:t>
             </a:r>
             <a:r>
-              <a:rPr lang="ko-KR" altLang="en-US" dirty="0"/>
+              <a:rPr lang="ko-KR" altLang="en-US" b="1" u="sng" dirty="0"/>
               <a:t> 생략하거나 잘못된 </a:t>
             </a:r>
             <a:r>
-              <a:rPr lang="ko-KR" altLang="en-US" dirty="0" err="1"/>
+              <a:rPr lang="ko-KR" altLang="en-US" b="1" u="sng" dirty="0" err="1"/>
               <a:t>조인조건식을</a:t>
             </a:r>
             <a:r>
-              <a:rPr lang="ko-KR" altLang="en-US" dirty="0"/>
+              <a:rPr lang="ko-KR" altLang="en-US" b="1" u="sng" dirty="0"/>
               <a:t> 작성해도 발생된다</a:t>
             </a:r>
             <a:r>
-              <a:rPr lang="en-US" altLang="ko-KR" dirty="0"/>
+              <a:rPr lang="en-US" altLang="ko-KR" b="1" u="sng" dirty="0"/>
               <a:t>.</a:t>
             </a:r>
           </a:p>
@@ -18259,14 +18655,14 @@
           <p:nvPr>
             <p:extLst>
               <p:ext uri="{D42A27DB-BD31-4B8C-83A1-F6EECF244321}">
-                <p14:modId xmlns:p14="http://schemas.microsoft.com/office/powerpoint/2010/main" val="4106870339"/>
+                <p14:modId xmlns:p14="http://schemas.microsoft.com/office/powerpoint/2010/main" val="4011186482"/>
               </p:ext>
             </p:extLst>
           </p:nvPr>
         </p:nvGraphicFramePr>
         <p:xfrm>
           <a:off x="5796136" y="4278720"/>
-          <a:ext cx="2749455" cy="1310520"/>
+          <a:ext cx="2749455" cy="1048416"/>
         </p:xfrm>
         <a:graphic>
           <a:graphicData uri="http://schemas.openxmlformats.org/drawingml/2006/table">
@@ -18456,7 +18852,7 @@
                       <a:pPr algn="ctr" latinLnBrk="1"/>
                       <a:r>
                         <a:rPr lang="en-US" altLang="ko-KR" sz="1000" dirty="0"/>
-                        <a:t>1002</a:t>
+                        <a:t>1003</a:t>
                       </a:r>
                       <a:endParaRPr lang="ko-KR" altLang="en-US" sz="1000" dirty="0"/>
                     </a:p>
@@ -18471,7 +18867,7 @@
                       <a:pPr algn="ctr" latinLnBrk="1"/>
                       <a:r>
                         <a:rPr lang="ko-KR" altLang="en-US" sz="1000" dirty="0"/>
-                        <a:t>김민서</a:t>
+                        <a:t>이은영</a:t>
                       </a:r>
                     </a:p>
                   </a:txBody>
@@ -18485,7 +18881,7 @@
                       <a:pPr algn="ctr" latinLnBrk="1"/>
                       <a:r>
                         <a:rPr lang="ko-KR" altLang="en-US" sz="1000" dirty="0"/>
-                        <a:t>영업부</a:t>
+                        <a:t>인사부</a:t>
                       </a:r>
                     </a:p>
                   </a:txBody>
@@ -18506,7 +18902,7 @@
                       <a:pPr algn="ctr" latinLnBrk="1"/>
                       <a:r>
                         <a:rPr lang="en-US" altLang="ko-KR" sz="1000" dirty="0"/>
-                        <a:t>1003</a:t>
+                        <a:t>1004</a:t>
                       </a:r>
                       <a:endParaRPr lang="ko-KR" altLang="en-US" sz="1000" dirty="0"/>
                     </a:p>
@@ -18521,7 +18917,7 @@
                       <a:pPr algn="ctr" latinLnBrk="1"/>
                       <a:r>
                         <a:rPr lang="ko-KR" altLang="en-US" sz="1000" dirty="0"/>
-                        <a:t>이은영</a:t>
+                        <a:t>한성일</a:t>
                       </a:r>
                     </a:p>
                   </a:txBody>
@@ -18544,56 +18940,6 @@
                 <a:extLst>
                   <a:ext uri="{0D108BD9-81ED-4DB2-BD59-A6C34878D82A}">
                     <a16:rowId xmlns:a16="http://schemas.microsoft.com/office/drawing/2014/main" val="2416920228"/>
-                  </a:ext>
-                </a:extLst>
-              </a:tr>
-              <a:tr h="262104">
-                <a:tc>
-                  <a:txBody>
-                    <a:bodyPr/>
-                    <a:lstStyle/>
-                    <a:p>
-                      <a:pPr algn="ctr" latinLnBrk="1"/>
-                      <a:r>
-                        <a:rPr lang="en-US" altLang="ko-KR" sz="1000" dirty="0"/>
-                        <a:t>1004</a:t>
-                      </a:r>
-                      <a:endParaRPr lang="ko-KR" altLang="en-US" sz="1000" dirty="0"/>
-                    </a:p>
-                  </a:txBody>
-                  <a:tcPr anchor="ctr"/>
-                </a:tc>
-                <a:tc>
-                  <a:txBody>
-                    <a:bodyPr/>
-                    <a:lstStyle/>
-                    <a:p>
-                      <a:pPr algn="ctr" latinLnBrk="1"/>
-                      <a:r>
-                        <a:rPr lang="ko-KR" altLang="en-US" sz="1000" dirty="0"/>
-                        <a:t>한성일</a:t>
-                      </a:r>
-                    </a:p>
-                  </a:txBody>
-                  <a:tcPr anchor="ctr"/>
-                </a:tc>
-                <a:tc>
-                  <a:txBody>
-                    <a:bodyPr/>
-                    <a:lstStyle/>
-                    <a:p>
-                      <a:pPr algn="ctr" latinLnBrk="1"/>
-                      <a:r>
-                        <a:rPr lang="ko-KR" altLang="en-US" sz="1000" dirty="0"/>
-                        <a:t>인사부</a:t>
-                      </a:r>
-                    </a:p>
-                  </a:txBody>
-                  <a:tcPr anchor="ctr"/>
-                </a:tc>
-                <a:extLst>
-                  <a:ext uri="{0D108BD9-81ED-4DB2-BD59-A6C34878D82A}">
-                    <a16:rowId xmlns:a16="http://schemas.microsoft.com/office/drawing/2014/main" val="204801882"/>
                   </a:ext>
                 </a:extLst>
               </a:tr>

--- a/NEW_DBMS교안/16. 고급 SQL 작성하기_조인.pptx
+++ b/NEW_DBMS교안/16. 고급 SQL 작성하기_조인.pptx
@@ -228,7 +228,7 @@
           <a:p>
             <a:fld id="{E150CED1-0BD3-437E-982C-E8005E10CB37}" type="datetimeFigureOut">
               <a:rPr lang="ko-KR" altLang="en-US" smtClean="0"/>
-              <a:t>2021-04-06</a:t>
+              <a:t>2021-04-07</a:t>
             </a:fld>
             <a:endParaRPr lang="ko-KR" altLang="en-US"/>
           </a:p>
@@ -9269,6 +9269,148 @@
               <a:rPr lang="ko-KR" altLang="en-US" dirty="0"/>
               <a:t>조인</a:t>
             </a:r>
+          </a:p>
+        </p:txBody>
+      </p:sp>
+      <p:sp>
+        <p:nvSpPr>
+          <p:cNvPr id="7" name="직사각형 6">
+            <a:extLst>
+              <a:ext uri="{FF2B5EF4-FFF2-40B4-BE49-F238E27FC236}">
+                <a16:creationId xmlns:a16="http://schemas.microsoft.com/office/drawing/2014/main" id="{2CAD2E86-5304-4A98-A526-4EBDBC65F167}"/>
+              </a:ext>
+            </a:extLst>
+          </p:cNvPr>
+          <p:cNvSpPr/>
+          <p:nvPr/>
+        </p:nvSpPr>
+        <p:spPr>
+          <a:xfrm>
+            <a:off x="1835696" y="3717032"/>
+            <a:ext cx="1296144" cy="360041"/>
+          </a:xfrm>
+          <a:prstGeom prst="rect">
+            <a:avLst/>
+          </a:prstGeom>
+          <a:noFill/>
+          <a:ln>
+            <a:solidFill>
+              <a:srgbClr val="FF0000"/>
+            </a:solidFill>
+          </a:ln>
+        </p:spPr>
+        <p:style>
+          <a:lnRef idx="2">
+            <a:schemeClr val="accent1">
+              <a:shade val="50000"/>
+            </a:schemeClr>
+          </a:lnRef>
+          <a:fillRef idx="1">
+            <a:schemeClr val="accent1"/>
+          </a:fillRef>
+          <a:effectRef idx="0">
+            <a:schemeClr val="accent1"/>
+          </a:effectRef>
+          <a:fontRef idx="minor">
+            <a:schemeClr val="lt1"/>
+          </a:fontRef>
+        </p:style>
+        <p:txBody>
+          <a:bodyPr rtlCol="0" anchor="ctr"/>
+          <a:lstStyle/>
+          <a:p>
+            <a:pPr algn="ctr"/>
+            <a:endParaRPr lang="ko-KR" altLang="en-US"/>
+          </a:p>
+        </p:txBody>
+      </p:sp>
+      <p:sp>
+        <p:nvSpPr>
+          <p:cNvPr id="8" name="직사각형 7">
+            <a:extLst>
+              <a:ext uri="{FF2B5EF4-FFF2-40B4-BE49-F238E27FC236}">
+                <a16:creationId xmlns:a16="http://schemas.microsoft.com/office/drawing/2014/main" id="{2CAD2E86-5304-4A98-A526-4EBDBC65F167}"/>
+              </a:ext>
+            </a:extLst>
+          </p:cNvPr>
+          <p:cNvSpPr/>
+          <p:nvPr/>
+        </p:nvSpPr>
+        <p:spPr>
+          <a:xfrm>
+            <a:off x="3131840" y="3717032"/>
+            <a:ext cx="1296144" cy="360041"/>
+          </a:xfrm>
+          <a:prstGeom prst="rect">
+            <a:avLst/>
+          </a:prstGeom>
+          <a:noFill/>
+          <a:ln>
+            <a:solidFill>
+              <a:srgbClr val="FF0000"/>
+            </a:solidFill>
+          </a:ln>
+        </p:spPr>
+        <p:style>
+          <a:lnRef idx="2">
+            <a:schemeClr val="accent1">
+              <a:shade val="50000"/>
+            </a:schemeClr>
+          </a:lnRef>
+          <a:fillRef idx="1">
+            <a:schemeClr val="accent1"/>
+          </a:fillRef>
+          <a:effectRef idx="0">
+            <a:schemeClr val="accent1"/>
+          </a:effectRef>
+          <a:fontRef idx="minor">
+            <a:schemeClr val="lt1"/>
+          </a:fontRef>
+        </p:style>
+        <p:txBody>
+          <a:bodyPr rtlCol="0" anchor="ctr"/>
+          <a:lstStyle/>
+          <a:p>
+            <a:pPr algn="ctr"/>
+            <a:endParaRPr lang="ko-KR" altLang="en-US"/>
+          </a:p>
+        </p:txBody>
+      </p:sp>
+      <p:sp>
+        <p:nvSpPr>
+          <p:cNvPr id="4" name="TextBox 3"/>
+          <p:cNvSpPr txBox="1"/>
+          <p:nvPr/>
+        </p:nvSpPr>
+        <p:spPr>
+          <a:xfrm>
+            <a:off x="4377916" y="3841594"/>
+            <a:ext cx="2952328" cy="276999"/>
+          </a:xfrm>
+          <a:prstGeom prst="rect">
+            <a:avLst/>
+          </a:prstGeom>
+          <a:noFill/>
+        </p:spPr>
+        <p:txBody>
+          <a:bodyPr wrap="square" rtlCol="0">
+            <a:spAutoFit/>
+          </a:bodyPr>
+          <a:lstStyle/>
+          <a:p>
+            <a:r>
+              <a:rPr lang="ko-KR" altLang="en-US" sz="1200" b="1" dirty="0" smtClean="0">
+                <a:solidFill>
+                  <a:srgbClr val="FF0000"/>
+                </a:solidFill>
+              </a:rPr>
+              <a:t>별명만 다른 같은 테이블</a:t>
+            </a:r>
+            <a:endParaRPr lang="ko-KR" altLang="en-US" sz="1200" b="1" dirty="0">
+              <a:solidFill>
+                <a:srgbClr val="FF0000"/>
+              </a:solidFill>
+            </a:endParaRPr>
           </a:p>
         </p:txBody>
       </p:sp>
